--- a/HUM1002 Psychology in Everyday Life/project/REVIEW 1.pptx
+++ b/HUM1002 Psychology in Everyday Life/project/REVIEW 1.pptx
@@ -295,7 +295,7 @@
           <a:p>
             <a:fld id="{48A87A34-81AB-432B-8DAE-1953F412C126}" type="datetimeFigureOut">
               <a:rPr lang="en-US" dirty="0"/>
-              <a:t>2/10/2022</a:t>
+              <a:t>4/9/22</a:t>
             </a:fld>
             <a:endParaRPr lang="en-US" dirty="0"/>
           </a:p>
@@ -557,7 +557,7 @@
           <a:p>
             <a:fld id="{48A87A34-81AB-432B-8DAE-1953F412C126}" type="datetimeFigureOut">
               <a:rPr lang="en-US" dirty="0"/>
-              <a:t>2/10/2022</a:t>
+              <a:t>4/9/22</a:t>
             </a:fld>
             <a:endParaRPr lang="en-US" dirty="0"/>
           </a:p>
@@ -784,7 +784,7 @@
             <a:fld id="{48A87A34-81AB-432B-8DAE-1953F412C126}" type="datetimeFigureOut">
               <a:rPr lang="en-US" dirty="0"/>
               <a:pPr/>
-              <a:t>2/10/2022</a:t>
+              <a:t>4/9/22</a:t>
             </a:fld>
             <a:endParaRPr lang="en-US" dirty="0"/>
           </a:p>
@@ -1090,7 +1090,7 @@
             <a:fld id="{48A87A34-81AB-432B-8DAE-1953F412C126}" type="datetimeFigureOut">
               <a:rPr lang="en-US" dirty="0"/>
               <a:pPr/>
-              <a:t>2/10/2022</a:t>
+              <a:t>4/9/22</a:t>
             </a:fld>
             <a:endParaRPr lang="en-US" dirty="0"/>
           </a:p>
@@ -1559,7 +1559,7 @@
             <a:fld id="{48A87A34-81AB-432B-8DAE-1953F412C126}" type="datetimeFigureOut">
               <a:rPr lang="en-US" dirty="0"/>
               <a:pPr/>
-              <a:t>2/10/2022</a:t>
+              <a:t>4/9/22</a:t>
             </a:fld>
             <a:endParaRPr lang="en-US" dirty="0"/>
           </a:p>
@@ -2101,7 +2101,7 @@
           <a:p>
             <a:fld id="{48A87A34-81AB-432B-8DAE-1953F412C126}" type="datetimeFigureOut">
               <a:rPr lang="en-US" dirty="0"/>
-              <a:t>2/10/2022</a:t>
+              <a:t>4/9/22</a:t>
             </a:fld>
             <a:endParaRPr lang="en-US" dirty="0"/>
           </a:p>
@@ -2870,7 +2870,7 @@
           <a:p>
             <a:fld id="{48A87A34-81AB-432B-8DAE-1953F412C126}" type="datetimeFigureOut">
               <a:rPr lang="en-US" dirty="0"/>
-              <a:t>2/10/2022</a:t>
+              <a:t>4/9/22</a:t>
             </a:fld>
             <a:endParaRPr lang="en-US" dirty="0"/>
           </a:p>
@@ -3040,7 +3040,7 @@
           <a:p>
             <a:fld id="{48A87A34-81AB-432B-8DAE-1953F412C126}" type="datetimeFigureOut">
               <a:rPr lang="en-US" dirty="0"/>
-              <a:t>2/10/2022</a:t>
+              <a:t>4/9/22</a:t>
             </a:fld>
             <a:endParaRPr lang="en-US" dirty="0"/>
           </a:p>
@@ -3259,7 +3259,7 @@
             <a:fld id="{48A87A34-81AB-432B-8DAE-1953F412C126}" type="datetimeFigureOut">
               <a:rPr lang="en-US" dirty="0"/>
               <a:pPr/>
-              <a:t>2/10/2022</a:t>
+              <a:t>4/9/22</a:t>
             </a:fld>
             <a:endParaRPr lang="en-US" dirty="0"/>
           </a:p>
@@ -3434,7 +3434,7 @@
           <a:p>
             <a:fld id="{48A87A34-81AB-432B-8DAE-1953F412C126}" type="datetimeFigureOut">
               <a:rPr lang="en-US" dirty="0"/>
-              <a:t>2/10/2022</a:t>
+              <a:t>4/9/22</a:t>
             </a:fld>
             <a:endParaRPr lang="en-US" dirty="0"/>
           </a:p>
@@ -3719,7 +3719,7 @@
             <a:fld id="{48A87A34-81AB-432B-8DAE-1953F412C126}" type="datetimeFigureOut">
               <a:rPr lang="en-US" dirty="0"/>
               <a:pPr/>
-              <a:t>2/10/2022</a:t>
+              <a:t>4/9/22</a:t>
             </a:fld>
             <a:endParaRPr lang="en-US" dirty="0"/>
           </a:p>
@@ -3956,7 +3956,7 @@
           <a:p>
             <a:fld id="{48A87A34-81AB-432B-8DAE-1953F412C126}" type="datetimeFigureOut">
               <a:rPr lang="en-US" dirty="0"/>
-              <a:t>2/10/2022</a:t>
+              <a:t>4/9/22</a:t>
             </a:fld>
             <a:endParaRPr lang="en-US" dirty="0"/>
           </a:p>
@@ -4330,7 +4330,7 @@
           <a:p>
             <a:fld id="{48A87A34-81AB-432B-8DAE-1953F412C126}" type="datetimeFigureOut">
               <a:rPr lang="en-US" dirty="0"/>
-              <a:t>2/10/2022</a:t>
+              <a:t>4/9/22</a:t>
             </a:fld>
             <a:endParaRPr lang="en-US" dirty="0"/>
           </a:p>
@@ -4443,7 +4443,7 @@
           <a:p>
             <a:fld id="{48A87A34-81AB-432B-8DAE-1953F412C126}" type="datetimeFigureOut">
               <a:rPr lang="en-US" dirty="0"/>
-              <a:t>2/10/2022</a:t>
+              <a:t>4/9/22</a:t>
             </a:fld>
             <a:endParaRPr lang="en-US" dirty="0"/>
           </a:p>
@@ -4533,7 +4533,7 @@
           <a:p>
             <a:fld id="{48A87A34-81AB-432B-8DAE-1953F412C126}" type="datetimeFigureOut">
               <a:rPr lang="en-US" dirty="0"/>
-              <a:t>2/10/2022</a:t>
+              <a:t>4/9/22</a:t>
             </a:fld>
             <a:endParaRPr lang="en-US" dirty="0"/>
           </a:p>
@@ -4777,7 +4777,7 @@
           <a:p>
             <a:fld id="{48A87A34-81AB-432B-8DAE-1953F412C126}" type="datetimeFigureOut">
               <a:rPr lang="en-US" dirty="0"/>
-              <a:t>2/10/2022</a:t>
+              <a:t>4/9/22</a:t>
             </a:fld>
             <a:endParaRPr lang="en-US" dirty="0"/>
           </a:p>
@@ -5029,7 +5029,7 @@
           <a:p>
             <a:fld id="{48A87A34-81AB-432B-8DAE-1953F412C126}" type="datetimeFigureOut">
               <a:rPr lang="en-US" dirty="0"/>
-              <a:t>2/10/2022</a:t>
+              <a:t>4/9/22</a:t>
             </a:fld>
             <a:endParaRPr lang="en-US" dirty="0"/>
           </a:p>
@@ -5268,7 +5268,7 @@
             <a:fld id="{48A87A34-81AB-432B-8DAE-1953F412C126}" type="datetimeFigureOut">
               <a:rPr lang="en-US" dirty="0"/>
               <a:pPr/>
-              <a:t>2/10/2022</a:t>
+              <a:t>4/9/22</a:t>
             </a:fld>
             <a:endParaRPr lang="en-US" dirty="0"/>
           </a:p>
@@ -5819,13 +5819,13 @@
   <p:clrMapOvr>
     <a:masterClrMapping/>
   </p:clrMapOvr>
-  <mc:AlternateContent xmlns:mc="http://schemas.openxmlformats.org/markup-compatibility/2006">
-    <mc:Choice xmlns:p159="http://schemas.microsoft.com/office/powerpoint/2015/09/main" Requires="p159">
+  <mc:AlternateContent xmlns:mc="http://schemas.openxmlformats.org/markup-compatibility/2006" xmlns:p159="http://schemas.microsoft.com/office/powerpoint/2015/09/main">
+    <mc:Choice Requires="p159">
       <p:transition xmlns:p14="http://schemas.microsoft.com/office/powerpoint/2010/main" spd="slow" p14:dur="2000">
         <p159:morph option="byObject"/>
       </p:transition>
     </mc:Choice>
-    <mc:Fallback>
+    <mc:Fallback xmlns="">
       <p:transition spd="slow">
         <p:fade/>
       </p:transition>
@@ -6071,13 +6071,13 @@
   <p:clrMapOvr>
     <a:masterClrMapping/>
   </p:clrMapOvr>
-  <mc:AlternateContent xmlns:mc="http://schemas.openxmlformats.org/markup-compatibility/2006">
-    <mc:Choice xmlns:p159="http://schemas.microsoft.com/office/powerpoint/2015/09/main" Requires="p159">
+  <mc:AlternateContent xmlns:mc="http://schemas.openxmlformats.org/markup-compatibility/2006" xmlns:p159="http://schemas.microsoft.com/office/powerpoint/2015/09/main">
+    <mc:Choice Requires="p159">
       <p:transition xmlns:p14="http://schemas.microsoft.com/office/powerpoint/2010/main" spd="slow" p14:dur="2000">
         <p159:morph option="byObject"/>
       </p:transition>
     </mc:Choice>
-    <mc:Fallback>
+    <mc:Fallback xmlns="">
       <p:transition spd="slow">
         <p:fade/>
       </p:transition>
@@ -6396,13 +6396,13 @@
   <p:clrMapOvr>
     <a:masterClrMapping/>
   </p:clrMapOvr>
-  <mc:AlternateContent xmlns:mc="http://schemas.openxmlformats.org/markup-compatibility/2006">
-    <mc:Choice xmlns:p159="http://schemas.microsoft.com/office/powerpoint/2015/09/main" Requires="p159">
+  <mc:AlternateContent xmlns:mc="http://schemas.openxmlformats.org/markup-compatibility/2006" xmlns:p159="http://schemas.microsoft.com/office/powerpoint/2015/09/main">
+    <mc:Choice Requires="p159">
       <p:transition xmlns:p14="http://schemas.microsoft.com/office/powerpoint/2010/main" spd="slow" p14:dur="2000">
         <p159:morph option="byObject"/>
       </p:transition>
     </mc:Choice>
-    <mc:Fallback>
+    <mc:Fallback xmlns="">
       <p:transition spd="slow">
         <p:fade/>
       </p:transition>
@@ -6717,13 +6717,13 @@
   <p:clrMapOvr>
     <a:masterClrMapping/>
   </p:clrMapOvr>
-  <mc:AlternateContent xmlns:mc="http://schemas.openxmlformats.org/markup-compatibility/2006">
-    <mc:Choice xmlns:p159="http://schemas.microsoft.com/office/powerpoint/2015/09/main" Requires="p159">
+  <mc:AlternateContent xmlns:mc="http://schemas.openxmlformats.org/markup-compatibility/2006" xmlns:p159="http://schemas.microsoft.com/office/powerpoint/2015/09/main">
+    <mc:Choice Requires="p159">
       <p:transition xmlns:p14="http://schemas.microsoft.com/office/powerpoint/2010/main" spd="slow" p14:dur="2000">
         <p159:morph option="byObject"/>
       </p:transition>
     </mc:Choice>
-    <mc:Fallback>
+    <mc:Fallback xmlns="">
       <p:transition spd="slow">
         <p:fade/>
       </p:transition>
@@ -7157,13 +7157,13 @@
   <p:clrMapOvr>
     <a:masterClrMapping/>
   </p:clrMapOvr>
-  <mc:AlternateContent xmlns:mc="http://schemas.openxmlformats.org/markup-compatibility/2006">
-    <mc:Choice xmlns:p159="http://schemas.microsoft.com/office/powerpoint/2015/09/main" Requires="p159">
+  <mc:AlternateContent xmlns:mc="http://schemas.openxmlformats.org/markup-compatibility/2006" xmlns:p159="http://schemas.microsoft.com/office/powerpoint/2015/09/main">
+    <mc:Choice Requires="p159">
       <p:transition xmlns:p14="http://schemas.microsoft.com/office/powerpoint/2010/main" spd="slow" p14:dur="2000">
         <p159:morph option="byObject"/>
       </p:transition>
     </mc:Choice>
-    <mc:Fallback>
+    <mc:Fallback xmlns="">
       <p:transition spd="slow">
         <p:fade/>
       </p:transition>
@@ -7284,13 +7284,13 @@
   <p:clrMapOvr>
     <a:masterClrMapping/>
   </p:clrMapOvr>
-  <mc:AlternateContent xmlns:mc="http://schemas.openxmlformats.org/markup-compatibility/2006">
-    <mc:Choice xmlns:p159="http://schemas.microsoft.com/office/powerpoint/2015/09/main" Requires="p159">
+  <mc:AlternateContent xmlns:mc="http://schemas.openxmlformats.org/markup-compatibility/2006" xmlns:p159="http://schemas.microsoft.com/office/powerpoint/2015/09/main">
+    <mc:Choice Requires="p159">
       <p:transition xmlns:p14="http://schemas.microsoft.com/office/powerpoint/2010/main" spd="slow" p14:dur="2000">
         <p159:morph option="byObject"/>
       </p:transition>
     </mc:Choice>
-    <mc:Fallback>
+    <mc:Fallback xmlns="">
       <p:transition spd="slow">
         <p:fade/>
       </p:transition>
@@ -7520,13 +7520,13 @@
   <p:clrMapOvr>
     <a:masterClrMapping/>
   </p:clrMapOvr>
-  <mc:AlternateContent xmlns:mc="http://schemas.openxmlformats.org/markup-compatibility/2006">
-    <mc:Choice xmlns:p159="http://schemas.microsoft.com/office/powerpoint/2015/09/main" Requires="p159">
+  <mc:AlternateContent xmlns:mc="http://schemas.openxmlformats.org/markup-compatibility/2006" xmlns:p159="http://schemas.microsoft.com/office/powerpoint/2015/09/main">
+    <mc:Choice Requires="p159">
       <p:transition xmlns:p14="http://schemas.microsoft.com/office/powerpoint/2010/main" spd="slow" p14:dur="2000">
         <p159:morph option="byObject"/>
       </p:transition>
     </mc:Choice>
-    <mc:Fallback>
+    <mc:Fallback xmlns="">
       <p:transition spd="slow">
         <p:fade/>
       </p:transition>
@@ -7728,13 +7728,13 @@
   <p:clrMapOvr>
     <a:masterClrMapping/>
   </p:clrMapOvr>
-  <mc:AlternateContent xmlns:mc="http://schemas.openxmlformats.org/markup-compatibility/2006">
-    <mc:Choice xmlns:p159="http://schemas.microsoft.com/office/powerpoint/2015/09/main" Requires="p159">
+  <mc:AlternateContent xmlns:mc="http://schemas.openxmlformats.org/markup-compatibility/2006" xmlns:p159="http://schemas.microsoft.com/office/powerpoint/2015/09/main">
+    <mc:Choice Requires="p159">
       <p:transition xmlns:p14="http://schemas.microsoft.com/office/powerpoint/2010/main" spd="slow" p14:dur="2000">
         <p159:morph option="byObject"/>
       </p:transition>
     </mc:Choice>
-    <mc:Fallback>
+    <mc:Fallback xmlns="">
       <p:transition spd="slow">
         <p:fade/>
       </p:transition>
@@ -7945,13 +7945,13 @@
   <p:clrMapOvr>
     <a:masterClrMapping/>
   </p:clrMapOvr>
-  <mc:AlternateContent xmlns:mc="http://schemas.openxmlformats.org/markup-compatibility/2006">
-    <mc:Choice xmlns:p159="http://schemas.microsoft.com/office/powerpoint/2015/09/main" Requires="p159">
+  <mc:AlternateContent xmlns:mc="http://schemas.openxmlformats.org/markup-compatibility/2006" xmlns:p159="http://schemas.microsoft.com/office/powerpoint/2015/09/main">
+    <mc:Choice Requires="p159">
       <p:transition xmlns:p14="http://schemas.microsoft.com/office/powerpoint/2010/main" spd="slow" p14:dur="2000">
         <p159:morph option="byObject"/>
       </p:transition>
     </mc:Choice>
-    <mc:Fallback>
+    <mc:Fallback xmlns="">
       <p:transition spd="slow">
         <p:fade/>
       </p:transition>
@@ -8116,8 +8116,8 @@
         </p:blipFill>
         <p:spPr>
           <a:xfrm>
-            <a:off x="7955280" y="4526280"/>
-            <a:ext cx="3429000" cy="2057400"/>
+            <a:off x="7794642" y="4296644"/>
+            <a:ext cx="3432000" cy="2059200"/>
           </a:xfrm>
           <a:prstGeom prst="rect">
             <a:avLst/>
@@ -8134,13 +8134,13 @@
   <p:clrMapOvr>
     <a:masterClrMapping/>
   </p:clrMapOvr>
-  <mc:AlternateContent xmlns:mc="http://schemas.openxmlformats.org/markup-compatibility/2006">
-    <mc:Choice xmlns:p159="http://schemas.microsoft.com/office/powerpoint/2015/09/main" Requires="p159">
+  <mc:AlternateContent xmlns:mc="http://schemas.openxmlformats.org/markup-compatibility/2006" xmlns:p159="http://schemas.microsoft.com/office/powerpoint/2015/09/main">
+    <mc:Choice Requires="p159">
       <p:transition xmlns:p14="http://schemas.microsoft.com/office/powerpoint/2010/main" spd="slow" p14:dur="2000">
         <p159:morph option="byObject"/>
       </p:transition>
     </mc:Choice>
-    <mc:Fallback>
+    <mc:Fallback xmlns="">
       <p:transition spd="slow">
         <p:fade/>
       </p:transition>
@@ -8308,13 +8308,13 @@
   <p:clrMapOvr>
     <a:masterClrMapping/>
   </p:clrMapOvr>
-  <mc:AlternateContent xmlns:mc="http://schemas.openxmlformats.org/markup-compatibility/2006">
-    <mc:Choice xmlns:p159="http://schemas.microsoft.com/office/powerpoint/2015/09/main" Requires="p159">
+  <mc:AlternateContent xmlns:mc="http://schemas.openxmlformats.org/markup-compatibility/2006" xmlns:p159="http://schemas.microsoft.com/office/powerpoint/2015/09/main">
+    <mc:Choice Requires="p159">
       <p:transition xmlns:p14="http://schemas.microsoft.com/office/powerpoint/2010/main" spd="slow" p14:dur="2000">
         <p159:morph option="byObject"/>
       </p:transition>
     </mc:Choice>
-    <mc:Fallback>
+    <mc:Fallback xmlns="">
       <p:transition spd="slow">
         <p:fade/>
       </p:transition>
@@ -8641,13 +8641,13 @@
   <p:clrMapOvr>
     <a:masterClrMapping/>
   </p:clrMapOvr>
-  <mc:AlternateContent xmlns:mc="http://schemas.openxmlformats.org/markup-compatibility/2006">
-    <mc:Choice xmlns:p159="http://schemas.microsoft.com/office/powerpoint/2015/09/main" Requires="p159">
+  <mc:AlternateContent xmlns:mc="http://schemas.openxmlformats.org/markup-compatibility/2006" xmlns:p159="http://schemas.microsoft.com/office/powerpoint/2015/09/main">
+    <mc:Choice Requires="p159">
       <p:transition xmlns:p14="http://schemas.microsoft.com/office/powerpoint/2010/main" spd="slow" p14:dur="2000">
         <p159:morph option="byObject"/>
       </p:transition>
     </mc:Choice>
-    <mc:Fallback>
+    <mc:Fallback xmlns="">
       <p:transition spd="slow">
         <p:fade/>
       </p:transition>
@@ -8983,13 +8983,13 @@
   <p:clrMapOvr>
     <a:masterClrMapping/>
   </p:clrMapOvr>
-  <mc:AlternateContent xmlns:mc="http://schemas.openxmlformats.org/markup-compatibility/2006">
-    <mc:Choice xmlns:p159="http://schemas.microsoft.com/office/powerpoint/2015/09/main" Requires="p159">
+  <mc:AlternateContent xmlns:mc="http://schemas.openxmlformats.org/markup-compatibility/2006" xmlns:p159="http://schemas.microsoft.com/office/powerpoint/2015/09/main">
+    <mc:Choice Requires="p159">
       <p:transition xmlns:p14="http://schemas.microsoft.com/office/powerpoint/2010/main" spd="slow" p14:dur="2000">
         <p159:morph option="byObject"/>
       </p:transition>
     </mc:Choice>
-    <mc:Fallback>
+    <mc:Fallback xmlns="">
       <p:transition spd="slow">
         <p:fade/>
       </p:transition>
@@ -9179,13 +9179,13 @@
   <p:clrMapOvr>
     <a:masterClrMapping/>
   </p:clrMapOvr>
-  <mc:AlternateContent xmlns:mc="http://schemas.openxmlformats.org/markup-compatibility/2006">
-    <mc:Choice xmlns:p159="http://schemas.microsoft.com/office/powerpoint/2015/09/main" Requires="p159">
+  <mc:AlternateContent xmlns:mc="http://schemas.openxmlformats.org/markup-compatibility/2006" xmlns:p159="http://schemas.microsoft.com/office/powerpoint/2015/09/main">
+    <mc:Choice Requires="p159">
       <p:transition xmlns:p14="http://schemas.microsoft.com/office/powerpoint/2010/main" spd="slow" p14:dur="2000">
         <p159:morph option="byObject"/>
       </p:transition>
     </mc:Choice>
-    <mc:Fallback>
+    <mc:Fallback xmlns="">
       <p:transition spd="slow">
         <p:fade/>
       </p:transition>
